--- a/Slides/Lesson 2 Intro to Python.pptx
+++ b/Slides/Lesson 2 Intro to Python.pptx
@@ -273,35 +273,35 @@
 <file path=ppt/changesInfos/changesInfo1.xml><?xml version="1.0" encoding="utf-8"?>
 <pc:chgInfo xmlns:a="http://schemas.openxmlformats.org/drawingml/2006/main" xmlns:r="http://schemas.openxmlformats.org/officeDocument/2006/relationships" xmlns:ac="http://schemas.microsoft.com/office/drawing/2013/main/command" xmlns:pc="http://schemas.microsoft.com/office/powerpoint/2013/main/command">
   <pc:docChgLst>
-    <pc:chgData name="1.0 Programming" userId="d9944a5f9a1f43e9" providerId="LiveId" clId="{9280625E-6389-4490-8660-39F296A1B198}"/>
+    <pc:chgData name="1.0 Programming" userId="d9944a5f9a1f43e9" providerId="LiveId" clId="{0419664C-E313-4B2F-8B87-2244A3C7B8B7}"/>
     <pc:docChg chg="custSel modSld">
-      <pc:chgData name="1.0 Programming" userId="d9944a5f9a1f43e9" providerId="LiveId" clId="{9280625E-6389-4490-8660-39F296A1B198}" dt="2025-01-21T08:58:52.312" v="30" actId="20577"/>
+      <pc:chgData name="1.0 Programming" userId="d9944a5f9a1f43e9" providerId="LiveId" clId="{0419664C-E313-4B2F-8B87-2244A3C7B8B7}" dt="2026-01-26T06:36:45.224" v="43" actId="20577"/>
       <pc:docMkLst>
         <pc:docMk/>
       </pc:docMkLst>
       <pc:sldChg chg="modSp">
-        <pc:chgData name="1.0 Programming" userId="d9944a5f9a1f43e9" providerId="LiveId" clId="{9280625E-6389-4490-8660-39F296A1B198}" dt="2025-01-21T08:45:10.318" v="8" actId="27636"/>
+        <pc:chgData name="1.0 Programming" userId="d9944a5f9a1f43e9" providerId="LiveId" clId="{0419664C-E313-4B2F-8B87-2244A3C7B8B7}" dt="2026-01-26T06:20:25.718" v="41" actId="207"/>
         <pc:sldMkLst>
           <pc:docMk/>
-          <pc:sldMk cId="0" sldId="261"/>
+          <pc:sldMk cId="0" sldId="263"/>
         </pc:sldMkLst>
         <pc:spChg chg="mod">
-          <ac:chgData name="1.0 Programming" userId="d9944a5f9a1f43e9" providerId="LiveId" clId="{9280625E-6389-4490-8660-39F296A1B198}" dt="2025-01-21T08:45:10.318" v="8" actId="27636"/>
+          <ac:chgData name="1.0 Programming" userId="d9944a5f9a1f43e9" providerId="LiveId" clId="{0419664C-E313-4B2F-8B87-2244A3C7B8B7}" dt="2026-01-26T06:20:25.718" v="41" actId="207"/>
           <ac:spMkLst>
             <pc:docMk/>
-            <pc:sldMk cId="0" sldId="261"/>
-            <ac:spMk id="85" creationId="{00000000-0000-0000-0000-000000000000}"/>
+            <pc:sldMk cId="0" sldId="263"/>
+            <ac:spMk id="97" creationId="{00000000-0000-0000-0000-000000000000}"/>
           </ac:spMkLst>
         </pc:spChg>
       </pc:sldChg>
       <pc:sldChg chg="modSp">
-        <pc:chgData name="1.0 Programming" userId="d9944a5f9a1f43e9" providerId="LiveId" clId="{9280625E-6389-4490-8660-39F296A1B198}" dt="2025-01-21T08:58:52.312" v="30" actId="20577"/>
+        <pc:chgData name="1.0 Programming" userId="d9944a5f9a1f43e9" providerId="LiveId" clId="{0419664C-E313-4B2F-8B87-2244A3C7B8B7}" dt="2026-01-26T06:36:45.224" v="43" actId="20577"/>
         <pc:sldMkLst>
           <pc:docMk/>
           <pc:sldMk cId="0" sldId="264"/>
         </pc:sldMkLst>
         <pc:spChg chg="mod">
-          <ac:chgData name="1.0 Programming" userId="d9944a5f9a1f43e9" providerId="LiveId" clId="{9280625E-6389-4490-8660-39F296A1B198}" dt="2025-01-21T08:58:52.312" v="30" actId="20577"/>
+          <ac:chgData name="1.0 Programming" userId="d9944a5f9a1f43e9" providerId="LiveId" clId="{0419664C-E313-4B2F-8B87-2244A3C7B8B7}" dt="2026-01-26T06:36:45.224" v="43" actId="20577"/>
           <ac:spMkLst>
             <pc:docMk/>
             <pc:sldMk cId="0" sldId="264"/>
@@ -310,6 +310,9 @@
         </pc:spChg>
       </pc:sldChg>
     </pc:docChg>
+  </pc:docChgLst>
+  <pc:docChgLst>
+    <pc:chgData name="1.0 Programming" userId="d9944a5f9a1f43e9" providerId="LiveId" clId="{9280625E-6389-4490-8660-39F296A1B198}"/>
   </pc:docChgLst>
 </pc:chgInfo>
 </file>
@@ -2149,7 +2152,7 @@
         </p:nvSpPr>
         <p:spPr>
           <a:xfrm>
-            <a:off x="381300" y="685800"/>
+            <a:off x="381000" y="685800"/>
             <a:ext cx="6096000" cy="3429000"/>
           </a:xfrm>
           <a:custGeom>
@@ -9138,14 +9141,14 @@
               <a:buNone/>
             </a:pPr>
             <a:r>
-              <a:rPr lang="ru" sz="1100" b="1" dirty="0">
+              <a:rPr lang="ru" sz="1600" b="1" dirty="0">
                 <a:solidFill>
                   <a:schemeClr val="dk1"/>
                 </a:solidFill>
               </a:rPr>
               <a:t>If-Else Statements:</a:t>
             </a:r>
-            <a:endParaRPr sz="1100" b="1" dirty="0">
+            <a:endParaRPr sz="1600" b="1" dirty="0">
               <a:solidFill>
                 <a:schemeClr val="dk1"/>
               </a:solidFill>
@@ -9162,14 +9165,14 @@
               <a:buNone/>
             </a:pPr>
             <a:r>
-              <a:rPr lang="ru" sz="1100" dirty="0">
+              <a:rPr lang="ru" sz="1600" dirty="0">
                 <a:solidFill>
                   <a:srgbClr val="FF0000"/>
                 </a:solidFill>
               </a:rPr>
               <a:t>age = 18</a:t>
             </a:r>
-            <a:endParaRPr sz="1100" dirty="0">
+            <a:endParaRPr sz="1600" dirty="0">
               <a:solidFill>
                 <a:srgbClr val="FF0000"/>
               </a:solidFill>
@@ -9186,14 +9189,14 @@
               <a:buNone/>
             </a:pPr>
             <a:r>
-              <a:rPr lang="ru" sz="1100" dirty="0">
+              <a:rPr lang="ru" sz="1600" dirty="0">
                 <a:solidFill>
                   <a:srgbClr val="FF0000"/>
                 </a:solidFill>
               </a:rPr>
               <a:t>if age &gt;= 18:</a:t>
             </a:r>
-            <a:endParaRPr sz="1100" dirty="0">
+            <a:endParaRPr sz="1600" dirty="0">
               <a:solidFill>
                 <a:srgbClr val="FF0000"/>
               </a:solidFill>
@@ -9210,14 +9213,62 @@
               <a:buNone/>
             </a:pPr>
             <a:r>
-              <a:rPr lang="ru" sz="1100" dirty="0">
+              <a:rPr lang="ru" sz="1600" dirty="0">
                 <a:solidFill>
                   <a:srgbClr val="FF0000"/>
                 </a:solidFill>
               </a:rPr>
-              <a:t>    print("You are an adult.")</a:t>
+              <a:t>    print(“</a:t>
             </a:r>
-            <a:endParaRPr sz="1100" dirty="0">
+            <a:r>
+              <a:rPr lang="en-US" sz="1600" dirty="0">
+                <a:solidFill>
+                  <a:srgbClr val="FF0000"/>
+                </a:solidFill>
+              </a:rPr>
+              <a:t>hello, {</a:t>
+            </a:r>
+            <a:r>
+              <a:rPr lang="en-US" sz="1600" dirty="0">
+                <a:solidFill>
+                  <a:schemeClr val="tx1"/>
+                </a:solidFill>
+              </a:rPr>
+              <a:t>name</a:t>
+            </a:r>
+            <a:r>
+              <a:rPr lang="en-US" sz="1600" dirty="0">
+                <a:solidFill>
+                  <a:srgbClr val="FF0000"/>
+                </a:solidFill>
+              </a:rPr>
+              <a:t>}</a:t>
+            </a:r>
+            <a:r>
+              <a:rPr lang="ru" sz="1600" dirty="0">
+                <a:solidFill>
+                  <a:srgbClr val="FF0000"/>
+                </a:solidFill>
+              </a:rPr>
+              <a:t> </a:t>
+            </a:r>
+            <a:r>
+              <a:rPr lang="en-US" sz="1600" dirty="0">
+                <a:solidFill>
+                  <a:srgbClr val="FF0000"/>
+                </a:solidFill>
+              </a:rPr>
+              <a:t> you </a:t>
+            </a:r>
+            <a:r>
+              <a:rPr lang="ru" sz="1600" dirty="0">
+                <a:solidFill>
+                  <a:srgbClr val="FF0000"/>
+                </a:solidFill>
+              </a:rPr>
+              <a:t>are an adult.")</a:t>
+            </a:r>
+            <a:endParaRPr sz="1600" dirty="0">
               <a:solidFill>
                 <a:srgbClr val="FF0000"/>
               </a:solidFill>
@@ -9234,14 +9285,14 @@
               <a:buNone/>
             </a:pPr>
             <a:r>
-              <a:rPr lang="ru" sz="1100" dirty="0">
+              <a:rPr lang="ru" sz="1600" dirty="0">
                 <a:solidFill>
                   <a:srgbClr val="FF0000"/>
                 </a:solidFill>
               </a:rPr>
               <a:t>else:</a:t>
             </a:r>
-            <a:endParaRPr sz="1100" dirty="0">
+            <a:endParaRPr sz="1600" dirty="0">
               <a:solidFill>
                 <a:srgbClr val="FF0000"/>
               </a:solidFill>
@@ -9258,14 +9309,46 @@
               <a:buNone/>
             </a:pPr>
             <a:r>
-              <a:rPr lang="ru" sz="1100" dirty="0">
+              <a:rPr lang="ru" sz="1600" dirty="0">
                 <a:solidFill>
                   <a:srgbClr val="FF0000"/>
                 </a:solidFill>
               </a:rPr>
-              <a:t>    print("You are a minor.")</a:t>
+              <a:t>    print(“</a:t>
             </a:r>
-            <a:endParaRPr sz="1100" dirty="0">
+            <a:r>
+              <a:rPr lang="en-US" sz="1600" dirty="0">
+                <a:solidFill>
+                  <a:srgbClr val="FF0000"/>
+                </a:solidFill>
+              </a:rPr>
+              <a:t>Hello, {</a:t>
+            </a:r>
+            <a:r>
+              <a:rPr lang="en-US" sz="1600" dirty="0">
+                <a:solidFill>
+                  <a:schemeClr val="tx1"/>
+                </a:solidFill>
+              </a:rPr>
+              <a:t>name</a:t>
+            </a:r>
+            <a:r>
+              <a:rPr lang="en-US" sz="1600" dirty="0">
+                <a:solidFill>
+                  <a:srgbClr val="FF0000"/>
+                </a:solidFill>
+              </a:rPr>
+              <a:t>} y</a:t>
+            </a:r>
+            <a:r>
+              <a:rPr lang="ru" sz="1600" dirty="0">
+                <a:solidFill>
+                  <a:srgbClr val="FF0000"/>
+                </a:solidFill>
+              </a:rPr>
+              <a:t>ou are a minor.")</a:t>
+            </a:r>
+            <a:endParaRPr sz="1600" dirty="0">
               <a:solidFill>
                 <a:srgbClr val="FF0000"/>
               </a:solidFill>
@@ -9286,7 +9369,7 @@
               <a:buFont typeface="Arial"/>
               <a:buNone/>
             </a:pPr>
-            <a:endParaRPr sz="1100" b="1" dirty="0">
+            <a:endParaRPr sz="1600" b="1" dirty="0">
               <a:solidFill>
                 <a:schemeClr val="dk1"/>
               </a:solidFill>
@@ -9302,7 +9385,7 @@
               </a:spcAft>
               <a:buNone/>
             </a:pPr>
-            <a:endParaRPr dirty="0"/>
+            <a:endParaRPr sz="2800" dirty="0"/>
           </a:p>
         </p:txBody>
       </p:sp>
@@ -9511,7 +9594,7 @@
                   <a:srgbClr val="FF0000"/>
                 </a:solidFill>
               </a:rPr>
-              <a:t>              </a:t>
+              <a:t>            </a:t>
             </a:r>
             <a:r>
               <a:rPr lang="ru" dirty="0">
